--- a/Analog elektronik/examPrep/MOSFET/FrequencyResponse_Diagrams_MOSFET.pptx
+++ b/Analog elektronik/examPrep/MOSFET/FrequencyResponse_Diagrams_MOSFET.pptx
@@ -5,7 +5,8 @@
     <p:sldMasterId id="2147483648" r:id="rId1"/>
   </p:sldMasterIdLst>
   <p:sldIdLst>
-    <p:sldId id="256" r:id="rId2"/>
+    <p:sldId id="257" r:id="rId2"/>
+    <p:sldId id="256" r:id="rId3"/>
   </p:sldIdLst>
   <p:sldSz cx="12192000" cy="6858000"/>
   <p:notesSz cx="6858000" cy="9144000"/>
@@ -104,6 +105,11 @@
       </a:defRPr>
     </a:lvl9pPr>
   </p:defaultTextStyle>
+  <p:extLst>
+    <p:ext uri="{EFAFB233-063F-42B5-8137-9DF3F51BA10A}">
+      <p15:sldGuideLst xmlns:p15="http://schemas.microsoft.com/office/powerpoint/2012/main"/>
+    </p:ext>
+  </p:extLst>
 </p:presentation>
 </file>
 
@@ -254,7 +260,7 @@
           <a:p>
             <a:fld id="{0B5BFB96-49DC-4D71-8440-754DB8D799C7}" type="datetimeFigureOut">
               <a:rPr lang="da-DK" smtClean="0"/>
-              <a:t>05-06-2024</a:t>
+              <a:t>06-06-2024</a:t>
             </a:fld>
             <a:endParaRPr lang="da-DK"/>
           </a:p>
@@ -452,7 +458,7 @@
           <a:p>
             <a:fld id="{0B5BFB96-49DC-4D71-8440-754DB8D799C7}" type="datetimeFigureOut">
               <a:rPr lang="da-DK" smtClean="0"/>
-              <a:t>05-06-2024</a:t>
+              <a:t>06-06-2024</a:t>
             </a:fld>
             <a:endParaRPr lang="da-DK"/>
           </a:p>
@@ -660,7 +666,7 @@
           <a:p>
             <a:fld id="{0B5BFB96-49DC-4D71-8440-754DB8D799C7}" type="datetimeFigureOut">
               <a:rPr lang="da-DK" smtClean="0"/>
-              <a:t>05-06-2024</a:t>
+              <a:t>06-06-2024</a:t>
             </a:fld>
             <a:endParaRPr lang="da-DK"/>
           </a:p>
@@ -858,7 +864,7 @@
           <a:p>
             <a:fld id="{0B5BFB96-49DC-4D71-8440-754DB8D799C7}" type="datetimeFigureOut">
               <a:rPr lang="da-DK" smtClean="0"/>
-              <a:t>05-06-2024</a:t>
+              <a:t>06-06-2024</a:t>
             </a:fld>
             <a:endParaRPr lang="da-DK"/>
           </a:p>
@@ -1133,7 +1139,7 @@
           <a:p>
             <a:fld id="{0B5BFB96-49DC-4D71-8440-754DB8D799C7}" type="datetimeFigureOut">
               <a:rPr lang="da-DK" smtClean="0"/>
-              <a:t>05-06-2024</a:t>
+              <a:t>06-06-2024</a:t>
             </a:fld>
             <a:endParaRPr lang="da-DK"/>
           </a:p>
@@ -1398,7 +1404,7 @@
           <a:p>
             <a:fld id="{0B5BFB96-49DC-4D71-8440-754DB8D799C7}" type="datetimeFigureOut">
               <a:rPr lang="da-DK" smtClean="0"/>
-              <a:t>05-06-2024</a:t>
+              <a:t>06-06-2024</a:t>
             </a:fld>
             <a:endParaRPr lang="da-DK"/>
           </a:p>
@@ -1810,7 +1816,7 @@
           <a:p>
             <a:fld id="{0B5BFB96-49DC-4D71-8440-754DB8D799C7}" type="datetimeFigureOut">
               <a:rPr lang="da-DK" smtClean="0"/>
-              <a:t>05-06-2024</a:t>
+              <a:t>06-06-2024</a:t>
             </a:fld>
             <a:endParaRPr lang="da-DK"/>
           </a:p>
@@ -1951,7 +1957,7 @@
           <a:p>
             <a:fld id="{0B5BFB96-49DC-4D71-8440-754DB8D799C7}" type="datetimeFigureOut">
               <a:rPr lang="da-DK" smtClean="0"/>
-              <a:t>05-06-2024</a:t>
+              <a:t>06-06-2024</a:t>
             </a:fld>
             <a:endParaRPr lang="da-DK"/>
           </a:p>
@@ -2064,7 +2070,7 @@
           <a:p>
             <a:fld id="{0B5BFB96-49DC-4D71-8440-754DB8D799C7}" type="datetimeFigureOut">
               <a:rPr lang="da-DK" smtClean="0"/>
-              <a:t>05-06-2024</a:t>
+              <a:t>06-06-2024</a:t>
             </a:fld>
             <a:endParaRPr lang="da-DK"/>
           </a:p>
@@ -2375,7 +2381,7 @@
           <a:p>
             <a:fld id="{0B5BFB96-49DC-4D71-8440-754DB8D799C7}" type="datetimeFigureOut">
               <a:rPr lang="da-DK" smtClean="0"/>
-              <a:t>05-06-2024</a:t>
+              <a:t>06-06-2024</a:t>
             </a:fld>
             <a:endParaRPr lang="da-DK"/>
           </a:p>
@@ -2663,7 +2669,7 @@
           <a:p>
             <a:fld id="{0B5BFB96-49DC-4D71-8440-754DB8D799C7}" type="datetimeFigureOut">
               <a:rPr lang="da-DK" smtClean="0"/>
-              <a:t>05-06-2024</a:t>
+              <a:t>06-06-2024</a:t>
             </a:fld>
             <a:endParaRPr lang="da-DK"/>
           </a:p>
@@ -2904,7 +2910,7 @@
           <a:p>
             <a:fld id="{0B5BFB96-49DC-4D71-8440-754DB8D799C7}" type="datetimeFigureOut">
               <a:rPr lang="da-DK" smtClean="0"/>
-              <a:t>05-06-2024</a:t>
+              <a:t>06-06-2024</a:t>
             </a:fld>
             <a:endParaRPr lang="da-DK"/>
           </a:p>
@@ -3305,6 +3311,1681 @@
 </file>
 
 <file path=ppt/slides/slide1.xml><?xml version="1.0" encoding="utf-8"?>
+<p:sld xmlns:a="http://schemas.openxmlformats.org/drawingml/2006/main" xmlns:r="http://schemas.openxmlformats.org/officeDocument/2006/relationships" xmlns:p="http://schemas.openxmlformats.org/presentationml/2006/main">
+  <p:cSld>
+    <p:spTree>
+      <p:nvGrpSpPr>
+        <p:cNvPr id="1" name=""/>
+        <p:cNvGrpSpPr/>
+        <p:nvPr/>
+      </p:nvGrpSpPr>
+      <p:grpSpPr>
+        <a:xfrm>
+          <a:off x="0" y="0"/>
+          <a:ext cx="0" cy="0"/>
+          <a:chOff x="0" y="0"/>
+          <a:chExt cx="0" cy="0"/>
+        </a:xfrm>
+      </p:grpSpPr>
+      <p:sp>
+        <p:nvSpPr>
+          <p:cNvPr id="4" name="Titel 1">
+            <a:extLst>
+              <a:ext uri="{FF2B5EF4-FFF2-40B4-BE49-F238E27FC236}">
+                <a16:creationId xmlns:a16="http://schemas.microsoft.com/office/drawing/2014/main" id="{EF15A708-98C5-9C82-C25F-AD9BB2CD7FB9}"/>
+              </a:ext>
+            </a:extLst>
+          </p:cNvPr>
+          <p:cNvSpPr txBox="1">
+            <a:spLocks/>
+          </p:cNvSpPr>
+          <p:nvPr/>
+        </p:nvSpPr>
+        <p:spPr>
+          <a:xfrm>
+            <a:off x="838200" y="365126"/>
+            <a:ext cx="10515600" cy="372293"/>
+          </a:xfrm>
+          <a:prstGeom prst="rect">
+            <a:avLst/>
+          </a:prstGeom>
+        </p:spPr>
+        <p:txBody>
+          <a:bodyPr vert="horz" lIns="91440" tIns="45720" rIns="91440" bIns="45720" rtlCol="0" anchor="b">
+            <a:normAutofit/>
+          </a:bodyPr>
+          <a:lstStyle>
+            <a:lvl1pPr algn="ctr" defTabSz="914400" rtl="0" eaLnBrk="1" latinLnBrk="0" hangingPunct="1">
+              <a:lnSpc>
+                <a:spcPct val="90000"/>
+              </a:lnSpc>
+              <a:spcBef>
+                <a:spcPct val="0"/>
+              </a:spcBef>
+              <a:buNone/>
+              <a:defRPr sz="6000" kern="1200">
+                <a:solidFill>
+                  <a:schemeClr val="tx1"/>
+                </a:solidFill>
+                <a:latin typeface="+mj-lt"/>
+                <a:ea typeface="+mj-ea"/>
+                <a:cs typeface="+mj-cs"/>
+              </a:defRPr>
+            </a:lvl1pPr>
+          </a:lstStyle>
+          <a:p>
+            <a:pPr algn="l"/>
+            <a:r>
+              <a:rPr lang="da-DK" sz="1800" dirty="0"/>
+              <a:t>Blocks</a:t>
+            </a:r>
+          </a:p>
+        </p:txBody>
+      </p:sp>
+      <p:grpSp>
+        <p:nvGrpSpPr>
+          <p:cNvPr id="5" name="Gruppe 4">
+            <a:extLst>
+              <a:ext uri="{FF2B5EF4-FFF2-40B4-BE49-F238E27FC236}">
+                <a16:creationId xmlns:a16="http://schemas.microsoft.com/office/drawing/2014/main" id="{14920443-47C3-A440-773B-8347A6084793}"/>
+              </a:ext>
+            </a:extLst>
+          </p:cNvPr>
+          <p:cNvGrpSpPr/>
+          <p:nvPr/>
+        </p:nvGrpSpPr>
+        <p:grpSpPr>
+          <a:xfrm>
+            <a:off x="4585562" y="1520012"/>
+            <a:ext cx="1146299" cy="502487"/>
+            <a:chOff x="1282714" y="1281925"/>
+            <a:chExt cx="1146299" cy="502487"/>
+          </a:xfrm>
+        </p:grpSpPr>
+        <p:grpSp>
+          <p:nvGrpSpPr>
+            <p:cNvPr id="6" name="Gruppe 5">
+              <a:extLst>
+                <a:ext uri="{FF2B5EF4-FFF2-40B4-BE49-F238E27FC236}">
+                  <a16:creationId xmlns:a16="http://schemas.microsoft.com/office/drawing/2014/main" id="{070C2825-AD86-4B9B-F3C5-7005B4E29828}"/>
+                </a:ext>
+              </a:extLst>
+            </p:cNvPr>
+            <p:cNvGrpSpPr/>
+            <p:nvPr/>
+          </p:nvGrpSpPr>
+          <p:grpSpPr>
+            <a:xfrm>
+              <a:off x="1282714" y="1606858"/>
+              <a:ext cx="1096502" cy="177554"/>
+              <a:chOff x="1282714" y="1606858"/>
+              <a:chExt cx="1096502" cy="177554"/>
+            </a:xfrm>
+          </p:grpSpPr>
+          <p:sp>
+            <p:nvSpPr>
+              <p:cNvPr id="8" name="Rektangel 7">
+                <a:extLst>
+                  <a:ext uri="{FF2B5EF4-FFF2-40B4-BE49-F238E27FC236}">
+                    <a16:creationId xmlns:a16="http://schemas.microsoft.com/office/drawing/2014/main" id="{D8082869-0E3F-9BC2-CAEE-5004941C9C10}"/>
+                  </a:ext>
+                </a:extLst>
+              </p:cNvPr>
+              <p:cNvSpPr/>
+              <p:nvPr/>
+            </p:nvSpPr>
+            <p:spPr>
+              <a:xfrm>
+                <a:off x="1518082" y="1606858"/>
+                <a:ext cx="665825" cy="177554"/>
+              </a:xfrm>
+              <a:prstGeom prst="rect">
+                <a:avLst/>
+              </a:prstGeom>
+              <a:noFill/>
+              <a:ln w="12700">
+                <a:solidFill>
+                  <a:schemeClr val="tx1"/>
+                </a:solidFill>
+              </a:ln>
+            </p:spPr>
+            <p:style>
+              <a:lnRef idx="2">
+                <a:schemeClr val="accent1">
+                  <a:shade val="15000"/>
+                </a:schemeClr>
+              </a:lnRef>
+              <a:fillRef idx="1">
+                <a:schemeClr val="accent1"/>
+              </a:fillRef>
+              <a:effectRef idx="0">
+                <a:schemeClr val="accent1"/>
+              </a:effectRef>
+              <a:fontRef idx="minor">
+                <a:schemeClr val="lt1"/>
+              </a:fontRef>
+            </p:style>
+            <p:txBody>
+              <a:bodyPr rtlCol="0" anchor="ctr"/>
+              <a:lstStyle/>
+              <a:p>
+                <a:pPr algn="ctr"/>
+                <a:endParaRPr lang="da-DK"/>
+              </a:p>
+            </p:txBody>
+          </p:sp>
+          <p:cxnSp>
+            <p:nvCxnSpPr>
+              <p:cNvPr id="9" name="Lige forbindelse 8">
+                <a:extLst>
+                  <a:ext uri="{FF2B5EF4-FFF2-40B4-BE49-F238E27FC236}">
+                    <a16:creationId xmlns:a16="http://schemas.microsoft.com/office/drawing/2014/main" id="{FF5F067B-00CC-C5FF-41C3-894E05DE755A}"/>
+                  </a:ext>
+                </a:extLst>
+              </p:cNvPr>
+              <p:cNvCxnSpPr>
+                <a:cxnSpLocks/>
+                <a:stCxn id="8" idx="3"/>
+              </p:cNvCxnSpPr>
+              <p:nvPr/>
+            </p:nvCxnSpPr>
+            <p:spPr>
+              <a:xfrm>
+                <a:off x="2183907" y="1695635"/>
+                <a:ext cx="195309" cy="0"/>
+              </a:xfrm>
+              <a:prstGeom prst="line">
+                <a:avLst/>
+              </a:prstGeom>
+              <a:ln w="12700">
+                <a:solidFill>
+                  <a:schemeClr val="tx1"/>
+                </a:solidFill>
+              </a:ln>
+            </p:spPr>
+            <p:style>
+              <a:lnRef idx="2">
+                <a:schemeClr val="accent1"/>
+              </a:lnRef>
+              <a:fillRef idx="0">
+                <a:schemeClr val="accent1"/>
+              </a:fillRef>
+              <a:effectRef idx="1">
+                <a:schemeClr val="accent1"/>
+              </a:effectRef>
+              <a:fontRef idx="minor">
+                <a:schemeClr val="tx1"/>
+              </a:fontRef>
+            </p:style>
+          </p:cxnSp>
+          <p:cxnSp>
+            <p:nvCxnSpPr>
+              <p:cNvPr id="10" name="Lige forbindelse 9">
+                <a:extLst>
+                  <a:ext uri="{FF2B5EF4-FFF2-40B4-BE49-F238E27FC236}">
+                    <a16:creationId xmlns:a16="http://schemas.microsoft.com/office/drawing/2014/main" id="{01F2BE4A-056E-BFB5-05FC-3318E3517F95}"/>
+                  </a:ext>
+                </a:extLst>
+              </p:cNvPr>
+              <p:cNvCxnSpPr>
+                <a:cxnSpLocks/>
+              </p:cNvCxnSpPr>
+              <p:nvPr/>
+            </p:nvCxnSpPr>
+            <p:spPr>
+              <a:xfrm rot="16200000">
+                <a:off x="1399951" y="1585490"/>
+                <a:ext cx="0" cy="234474"/>
+              </a:xfrm>
+              <a:prstGeom prst="line">
+                <a:avLst/>
+              </a:prstGeom>
+              <a:ln w="12700">
+                <a:solidFill>
+                  <a:schemeClr val="tx1"/>
+                </a:solidFill>
+              </a:ln>
+            </p:spPr>
+            <p:style>
+              <a:lnRef idx="2">
+                <a:schemeClr val="accent1"/>
+              </a:lnRef>
+              <a:fillRef idx="0">
+                <a:schemeClr val="accent1"/>
+              </a:fillRef>
+              <a:effectRef idx="1">
+                <a:schemeClr val="accent1"/>
+              </a:effectRef>
+              <a:fontRef idx="minor">
+                <a:schemeClr val="tx1"/>
+              </a:fontRef>
+            </p:style>
+          </p:cxnSp>
+        </p:grpSp>
+        <p:sp>
+          <p:nvSpPr>
+            <p:cNvPr id="7" name="Tekstfelt 6">
+              <a:extLst>
+                <a:ext uri="{FF2B5EF4-FFF2-40B4-BE49-F238E27FC236}">
+                  <a16:creationId xmlns:a16="http://schemas.microsoft.com/office/drawing/2014/main" id="{28DF1985-FE69-FA10-41D5-FA3AA31E5315}"/>
+                </a:ext>
+              </a:extLst>
+            </p:cNvPr>
+            <p:cNvSpPr txBox="1"/>
+            <p:nvPr/>
+          </p:nvSpPr>
+          <p:spPr>
+            <a:xfrm>
+              <a:off x="1407759" y="1281925"/>
+              <a:ext cx="1021254" cy="276999"/>
+            </a:xfrm>
+            <a:prstGeom prst="rect">
+              <a:avLst/>
+            </a:prstGeom>
+            <a:noFill/>
+          </p:spPr>
+          <p:txBody>
+            <a:bodyPr wrap="square" rtlCol="0">
+              <a:spAutoFit/>
+            </a:bodyPr>
+            <a:lstStyle/>
+            <a:p>
+              <a:r>
+                <a:rPr lang="da-DK" sz="1200" dirty="0" err="1"/>
+                <a:t>Rs</a:t>
+              </a:r>
+              <a:r>
+                <a:rPr lang="da-DK" sz="1200" dirty="0"/>
+                <a:t> = 500</a:t>
+              </a:r>
+              <a:r>
+                <a:rPr lang="el-GR" sz="1200" dirty="0"/>
+                <a:t>Ω</a:t>
+              </a:r>
+              <a:endParaRPr lang="da-DK" sz="1200" dirty="0"/>
+            </a:p>
+          </p:txBody>
+        </p:sp>
+      </p:grpSp>
+      <p:grpSp>
+        <p:nvGrpSpPr>
+          <p:cNvPr id="14" name="Gruppe 13">
+            <a:extLst>
+              <a:ext uri="{FF2B5EF4-FFF2-40B4-BE49-F238E27FC236}">
+                <a16:creationId xmlns:a16="http://schemas.microsoft.com/office/drawing/2014/main" id="{241ACB94-33A2-6ED4-57CF-722696C022EC}"/>
+              </a:ext>
+            </a:extLst>
+          </p:cNvPr>
+          <p:cNvGrpSpPr/>
+          <p:nvPr/>
+        </p:nvGrpSpPr>
+        <p:grpSpPr>
+          <a:xfrm rot="5400000">
+            <a:off x="5032310" y="2133635"/>
+            <a:ext cx="1096502" cy="1198808"/>
+            <a:chOff x="1282714" y="585604"/>
+            <a:chExt cx="1096502" cy="1198808"/>
+          </a:xfrm>
+        </p:grpSpPr>
+        <p:grpSp>
+          <p:nvGrpSpPr>
+            <p:cNvPr id="15" name="Gruppe 14">
+              <a:extLst>
+                <a:ext uri="{FF2B5EF4-FFF2-40B4-BE49-F238E27FC236}">
+                  <a16:creationId xmlns:a16="http://schemas.microsoft.com/office/drawing/2014/main" id="{F2872C37-E0D1-3F2B-1910-F050D089E7B2}"/>
+                </a:ext>
+              </a:extLst>
+            </p:cNvPr>
+            <p:cNvGrpSpPr/>
+            <p:nvPr/>
+          </p:nvGrpSpPr>
+          <p:grpSpPr>
+            <a:xfrm>
+              <a:off x="1282714" y="1606858"/>
+              <a:ext cx="1096502" cy="177554"/>
+              <a:chOff x="1282714" y="1606858"/>
+              <a:chExt cx="1096502" cy="177554"/>
+            </a:xfrm>
+          </p:grpSpPr>
+          <p:sp>
+            <p:nvSpPr>
+              <p:cNvPr id="17" name="Rektangel 16">
+                <a:extLst>
+                  <a:ext uri="{FF2B5EF4-FFF2-40B4-BE49-F238E27FC236}">
+                    <a16:creationId xmlns:a16="http://schemas.microsoft.com/office/drawing/2014/main" id="{87816694-0B8F-598C-7B1F-02D29AA8620D}"/>
+                  </a:ext>
+                </a:extLst>
+              </p:cNvPr>
+              <p:cNvSpPr/>
+              <p:nvPr/>
+            </p:nvSpPr>
+            <p:spPr>
+              <a:xfrm>
+                <a:off x="1518082" y="1606858"/>
+                <a:ext cx="665825" cy="177554"/>
+              </a:xfrm>
+              <a:prstGeom prst="rect">
+                <a:avLst/>
+              </a:prstGeom>
+              <a:noFill/>
+              <a:ln w="12700">
+                <a:solidFill>
+                  <a:schemeClr val="tx1"/>
+                </a:solidFill>
+              </a:ln>
+            </p:spPr>
+            <p:style>
+              <a:lnRef idx="2">
+                <a:schemeClr val="accent1">
+                  <a:shade val="15000"/>
+                </a:schemeClr>
+              </a:lnRef>
+              <a:fillRef idx="1">
+                <a:schemeClr val="accent1"/>
+              </a:fillRef>
+              <a:effectRef idx="0">
+                <a:schemeClr val="accent1"/>
+              </a:effectRef>
+              <a:fontRef idx="minor">
+                <a:schemeClr val="lt1"/>
+              </a:fontRef>
+            </p:style>
+            <p:txBody>
+              <a:bodyPr rtlCol="0" anchor="ctr"/>
+              <a:lstStyle/>
+              <a:p>
+                <a:pPr algn="ctr"/>
+                <a:endParaRPr lang="da-DK"/>
+              </a:p>
+            </p:txBody>
+          </p:sp>
+          <p:cxnSp>
+            <p:nvCxnSpPr>
+              <p:cNvPr id="18" name="Lige forbindelse 17">
+                <a:extLst>
+                  <a:ext uri="{FF2B5EF4-FFF2-40B4-BE49-F238E27FC236}">
+                    <a16:creationId xmlns:a16="http://schemas.microsoft.com/office/drawing/2014/main" id="{696F1CB8-FE39-76DB-9137-39D45D1201DC}"/>
+                  </a:ext>
+                </a:extLst>
+              </p:cNvPr>
+              <p:cNvCxnSpPr>
+                <a:cxnSpLocks/>
+                <a:stCxn id="17" idx="3"/>
+              </p:cNvCxnSpPr>
+              <p:nvPr/>
+            </p:nvCxnSpPr>
+            <p:spPr>
+              <a:xfrm>
+                <a:off x="2183907" y="1695635"/>
+                <a:ext cx="195309" cy="0"/>
+              </a:xfrm>
+              <a:prstGeom prst="line">
+                <a:avLst/>
+              </a:prstGeom>
+              <a:ln w="12700">
+                <a:solidFill>
+                  <a:schemeClr val="tx1"/>
+                </a:solidFill>
+              </a:ln>
+            </p:spPr>
+            <p:style>
+              <a:lnRef idx="2">
+                <a:schemeClr val="accent1"/>
+              </a:lnRef>
+              <a:fillRef idx="0">
+                <a:schemeClr val="accent1"/>
+              </a:fillRef>
+              <a:effectRef idx="1">
+                <a:schemeClr val="accent1"/>
+              </a:effectRef>
+              <a:fontRef idx="minor">
+                <a:schemeClr val="tx1"/>
+              </a:fontRef>
+            </p:style>
+          </p:cxnSp>
+          <p:cxnSp>
+            <p:nvCxnSpPr>
+              <p:cNvPr id="19" name="Lige forbindelse 18">
+                <a:extLst>
+                  <a:ext uri="{FF2B5EF4-FFF2-40B4-BE49-F238E27FC236}">
+                    <a16:creationId xmlns:a16="http://schemas.microsoft.com/office/drawing/2014/main" id="{2701895D-EA1A-114C-18AF-5C198D98182F}"/>
+                  </a:ext>
+                </a:extLst>
+              </p:cNvPr>
+              <p:cNvCxnSpPr>
+                <a:cxnSpLocks/>
+              </p:cNvCxnSpPr>
+              <p:nvPr/>
+            </p:nvCxnSpPr>
+            <p:spPr>
+              <a:xfrm rot="16200000">
+                <a:off x="1399951" y="1585490"/>
+                <a:ext cx="0" cy="234474"/>
+              </a:xfrm>
+              <a:prstGeom prst="line">
+                <a:avLst/>
+              </a:prstGeom>
+              <a:ln w="12700">
+                <a:solidFill>
+                  <a:schemeClr val="tx1"/>
+                </a:solidFill>
+              </a:ln>
+            </p:spPr>
+            <p:style>
+              <a:lnRef idx="2">
+                <a:schemeClr val="accent1"/>
+              </a:lnRef>
+              <a:fillRef idx="0">
+                <a:schemeClr val="accent1"/>
+              </a:fillRef>
+              <a:effectRef idx="1">
+                <a:schemeClr val="accent1"/>
+              </a:effectRef>
+              <a:fontRef idx="minor">
+                <a:schemeClr val="tx1"/>
+              </a:fontRef>
+            </p:style>
+          </p:cxnSp>
+        </p:grpSp>
+        <p:sp>
+          <p:nvSpPr>
+            <p:cNvPr id="16" name="Tekstfelt 15">
+              <a:extLst>
+                <a:ext uri="{FF2B5EF4-FFF2-40B4-BE49-F238E27FC236}">
+                  <a16:creationId xmlns:a16="http://schemas.microsoft.com/office/drawing/2014/main" id="{DC45E054-8DF8-1714-7FF6-66EDE1AFDA39}"/>
+                </a:ext>
+              </a:extLst>
+            </p:cNvPr>
+            <p:cNvSpPr txBox="1"/>
+            <p:nvPr/>
+          </p:nvSpPr>
+          <p:spPr>
+            <a:xfrm rot="16200000">
+              <a:off x="1372823" y="957731"/>
+              <a:ext cx="1021254" cy="276999"/>
+            </a:xfrm>
+            <a:prstGeom prst="rect">
+              <a:avLst/>
+            </a:prstGeom>
+            <a:noFill/>
+          </p:spPr>
+          <p:txBody>
+            <a:bodyPr wrap="square" rtlCol="0">
+              <a:spAutoFit/>
+            </a:bodyPr>
+            <a:lstStyle/>
+            <a:p>
+              <a:r>
+                <a:rPr lang="da-DK" sz="1200" dirty="0"/>
+                <a:t>RL = 500</a:t>
+              </a:r>
+              <a:r>
+                <a:rPr lang="el-GR" sz="1200" dirty="0"/>
+                <a:t>Ω</a:t>
+              </a:r>
+              <a:endParaRPr lang="da-DK" sz="1200" dirty="0"/>
+            </a:p>
+          </p:txBody>
+        </p:sp>
+      </p:grpSp>
+      <p:grpSp>
+        <p:nvGrpSpPr>
+          <p:cNvPr id="122" name="Gruppe 121">
+            <a:extLst>
+              <a:ext uri="{FF2B5EF4-FFF2-40B4-BE49-F238E27FC236}">
+                <a16:creationId xmlns:a16="http://schemas.microsoft.com/office/drawing/2014/main" id="{0E8E7755-109A-D60C-E301-A08C41623164}"/>
+              </a:ext>
+            </a:extLst>
+          </p:cNvPr>
+          <p:cNvGrpSpPr/>
+          <p:nvPr/>
+        </p:nvGrpSpPr>
+        <p:grpSpPr>
+          <a:xfrm>
+            <a:off x="1058299" y="2041106"/>
+            <a:ext cx="698983" cy="295795"/>
+            <a:chOff x="4759725" y="3206175"/>
+            <a:chExt cx="698983" cy="295795"/>
+          </a:xfrm>
+        </p:grpSpPr>
+        <p:grpSp>
+          <p:nvGrpSpPr>
+            <p:cNvPr id="41" name="Gruppe 40">
+              <a:extLst>
+                <a:ext uri="{FF2B5EF4-FFF2-40B4-BE49-F238E27FC236}">
+                  <a16:creationId xmlns:a16="http://schemas.microsoft.com/office/drawing/2014/main" id="{3569F9CC-EA20-2FA8-55A9-932979660A36}"/>
+                </a:ext>
+              </a:extLst>
+            </p:cNvPr>
+            <p:cNvGrpSpPr/>
+            <p:nvPr/>
+          </p:nvGrpSpPr>
+          <p:grpSpPr>
+            <a:xfrm>
+              <a:off x="5278231" y="3209077"/>
+              <a:ext cx="180477" cy="292893"/>
+              <a:chOff x="5318760" y="2233613"/>
+              <a:chExt cx="180477" cy="292893"/>
+            </a:xfrm>
+          </p:grpSpPr>
+          <p:cxnSp>
+            <p:nvCxnSpPr>
+              <p:cNvPr id="42" name="Lige forbindelse 41">
+                <a:extLst>
+                  <a:ext uri="{FF2B5EF4-FFF2-40B4-BE49-F238E27FC236}">
+                    <a16:creationId xmlns:a16="http://schemas.microsoft.com/office/drawing/2014/main" id="{5D2E77B3-D172-BB57-BCD3-7A968F17A694}"/>
+                  </a:ext>
+                </a:extLst>
+              </p:cNvPr>
+              <p:cNvCxnSpPr/>
+              <p:nvPr/>
+            </p:nvCxnSpPr>
+            <p:spPr>
+              <a:xfrm>
+                <a:off x="5318760" y="2405300"/>
+                <a:ext cx="180000" cy="0"/>
+              </a:xfrm>
+              <a:prstGeom prst="line">
+                <a:avLst/>
+              </a:prstGeom>
+              <a:ln w="12700">
+                <a:solidFill>
+                  <a:schemeClr val="tx1"/>
+                </a:solidFill>
+              </a:ln>
+            </p:spPr>
+            <p:style>
+              <a:lnRef idx="2">
+                <a:schemeClr val="accent1"/>
+              </a:lnRef>
+              <a:fillRef idx="0">
+                <a:schemeClr val="accent1"/>
+              </a:fillRef>
+              <a:effectRef idx="1">
+                <a:schemeClr val="accent1"/>
+              </a:effectRef>
+              <a:fontRef idx="minor">
+                <a:schemeClr val="tx1"/>
+              </a:fontRef>
+            </p:style>
+          </p:cxnSp>
+          <p:cxnSp>
+            <p:nvCxnSpPr>
+              <p:cNvPr id="43" name="Lige forbindelse 42">
+                <a:extLst>
+                  <a:ext uri="{FF2B5EF4-FFF2-40B4-BE49-F238E27FC236}">
+                    <a16:creationId xmlns:a16="http://schemas.microsoft.com/office/drawing/2014/main" id="{EF656C69-F4EA-2A8C-1AFC-D741317EBF1E}"/>
+                  </a:ext>
+                </a:extLst>
+              </p:cNvPr>
+              <p:cNvCxnSpPr/>
+              <p:nvPr/>
+            </p:nvCxnSpPr>
+            <p:spPr>
+              <a:xfrm>
+                <a:off x="5319237" y="2359580"/>
+                <a:ext cx="180000" cy="0"/>
+              </a:xfrm>
+              <a:prstGeom prst="line">
+                <a:avLst/>
+              </a:prstGeom>
+              <a:ln w="12700">
+                <a:solidFill>
+                  <a:schemeClr val="tx1"/>
+                </a:solidFill>
+              </a:ln>
+            </p:spPr>
+            <p:style>
+              <a:lnRef idx="2">
+                <a:schemeClr val="accent1"/>
+              </a:lnRef>
+              <a:fillRef idx="0">
+                <a:schemeClr val="accent1"/>
+              </a:fillRef>
+              <a:effectRef idx="1">
+                <a:schemeClr val="accent1"/>
+              </a:effectRef>
+              <a:fontRef idx="minor">
+                <a:schemeClr val="tx1"/>
+              </a:fontRef>
+            </p:style>
+          </p:cxnSp>
+          <p:cxnSp>
+            <p:nvCxnSpPr>
+              <p:cNvPr id="44" name="Lige forbindelse 43">
+                <a:extLst>
+                  <a:ext uri="{FF2B5EF4-FFF2-40B4-BE49-F238E27FC236}">
+                    <a16:creationId xmlns:a16="http://schemas.microsoft.com/office/drawing/2014/main" id="{F1260BE6-8A08-8EED-10C3-D9A32E55412B}"/>
+                  </a:ext>
+                </a:extLst>
+              </p:cNvPr>
+              <p:cNvCxnSpPr/>
+              <p:nvPr/>
+            </p:nvCxnSpPr>
+            <p:spPr>
+              <a:xfrm>
+                <a:off x="5407817" y="2233613"/>
+                <a:ext cx="0" cy="119062"/>
+              </a:xfrm>
+              <a:prstGeom prst="line">
+                <a:avLst/>
+              </a:prstGeom>
+              <a:ln w="12700"/>
+            </p:spPr>
+            <p:style>
+              <a:lnRef idx="2">
+                <a:schemeClr val="dk1"/>
+              </a:lnRef>
+              <a:fillRef idx="0">
+                <a:schemeClr val="dk1"/>
+              </a:fillRef>
+              <a:effectRef idx="1">
+                <a:schemeClr val="dk1"/>
+              </a:effectRef>
+              <a:fontRef idx="minor">
+                <a:schemeClr val="tx1"/>
+              </a:fontRef>
+            </p:style>
+          </p:cxnSp>
+          <p:cxnSp>
+            <p:nvCxnSpPr>
+              <p:cNvPr id="45" name="Lige forbindelse 44">
+                <a:extLst>
+                  <a:ext uri="{FF2B5EF4-FFF2-40B4-BE49-F238E27FC236}">
+                    <a16:creationId xmlns:a16="http://schemas.microsoft.com/office/drawing/2014/main" id="{BD2773C9-E7ED-B85A-D9A0-FDAE4887542C}"/>
+                  </a:ext>
+                </a:extLst>
+              </p:cNvPr>
+              <p:cNvCxnSpPr/>
+              <p:nvPr/>
+            </p:nvCxnSpPr>
+            <p:spPr>
+              <a:xfrm>
+                <a:off x="5407815" y="2407444"/>
+                <a:ext cx="0" cy="119062"/>
+              </a:xfrm>
+              <a:prstGeom prst="line">
+                <a:avLst/>
+              </a:prstGeom>
+              <a:ln w="12700"/>
+            </p:spPr>
+            <p:style>
+              <a:lnRef idx="2">
+                <a:schemeClr val="dk1"/>
+              </a:lnRef>
+              <a:fillRef idx="0">
+                <a:schemeClr val="dk1"/>
+              </a:fillRef>
+              <a:effectRef idx="1">
+                <a:schemeClr val="dk1"/>
+              </a:effectRef>
+              <a:fontRef idx="minor">
+                <a:schemeClr val="tx1"/>
+              </a:fontRef>
+            </p:style>
+          </p:cxnSp>
+        </p:grpSp>
+        <p:sp>
+          <p:nvSpPr>
+            <p:cNvPr id="48" name="Tekstfelt 47">
+              <a:extLst>
+                <a:ext uri="{FF2B5EF4-FFF2-40B4-BE49-F238E27FC236}">
+                  <a16:creationId xmlns:a16="http://schemas.microsoft.com/office/drawing/2014/main" id="{F9EEC340-2348-FC68-B78B-5BC5CDE6DF7D}"/>
+                </a:ext>
+              </a:extLst>
+            </p:cNvPr>
+            <p:cNvSpPr txBox="1"/>
+            <p:nvPr/>
+          </p:nvSpPr>
+          <p:spPr>
+            <a:xfrm>
+              <a:off x="4759725" y="3206175"/>
+              <a:ext cx="515168" cy="276999"/>
+            </a:xfrm>
+            <a:prstGeom prst="rect">
+              <a:avLst/>
+            </a:prstGeom>
+            <a:noFill/>
+          </p:spPr>
+          <p:txBody>
+            <a:bodyPr wrap="square" rtlCol="0">
+              <a:spAutoFit/>
+            </a:bodyPr>
+            <a:lstStyle/>
+            <a:p>
+              <a:r>
+                <a:rPr lang="da-DK" sz="1200" dirty="0"/>
+                <a:t>CGS</a:t>
+              </a:r>
+            </a:p>
+          </p:txBody>
+        </p:sp>
+      </p:grpSp>
+      <p:grpSp>
+        <p:nvGrpSpPr>
+          <p:cNvPr id="124" name="Gruppe 123">
+            <a:extLst>
+              <a:ext uri="{FF2B5EF4-FFF2-40B4-BE49-F238E27FC236}">
+                <a16:creationId xmlns:a16="http://schemas.microsoft.com/office/drawing/2014/main" id="{4A3D0F8F-EDC2-E944-D080-387095BF2793}"/>
+              </a:ext>
+            </a:extLst>
+          </p:cNvPr>
+          <p:cNvGrpSpPr/>
+          <p:nvPr/>
+        </p:nvGrpSpPr>
+        <p:grpSpPr>
+          <a:xfrm>
+            <a:off x="252283" y="1587007"/>
+            <a:ext cx="746229" cy="1499788"/>
+            <a:chOff x="7291739" y="2286299"/>
+            <a:chExt cx="746229" cy="1499788"/>
+          </a:xfrm>
+        </p:grpSpPr>
+        <p:grpSp>
+          <p:nvGrpSpPr>
+            <p:cNvPr id="123" name="Gruppe 122">
+              <a:extLst>
+                <a:ext uri="{FF2B5EF4-FFF2-40B4-BE49-F238E27FC236}">
+                  <a16:creationId xmlns:a16="http://schemas.microsoft.com/office/drawing/2014/main" id="{4A0310F8-D3CE-F81B-4355-84FDBFB8E9B2}"/>
+                </a:ext>
+              </a:extLst>
+            </p:cNvPr>
+            <p:cNvGrpSpPr/>
+            <p:nvPr/>
+          </p:nvGrpSpPr>
+          <p:grpSpPr>
+            <a:xfrm>
+              <a:off x="7291739" y="2849345"/>
+              <a:ext cx="746229" cy="936742"/>
+              <a:chOff x="7291739" y="2849345"/>
+              <a:chExt cx="746229" cy="936742"/>
+            </a:xfrm>
+          </p:grpSpPr>
+          <p:grpSp>
+            <p:nvGrpSpPr>
+              <p:cNvPr id="69" name="Gruppe 68">
+                <a:extLst>
+                  <a:ext uri="{FF2B5EF4-FFF2-40B4-BE49-F238E27FC236}">
+                    <a16:creationId xmlns:a16="http://schemas.microsoft.com/office/drawing/2014/main" id="{FFB423B7-5799-4F76-585D-0CCFA44B7F7D}"/>
+                  </a:ext>
+                </a:extLst>
+              </p:cNvPr>
+              <p:cNvGrpSpPr/>
+              <p:nvPr/>
+            </p:nvGrpSpPr>
+            <p:grpSpPr>
+              <a:xfrm>
+                <a:off x="7291739" y="3103270"/>
+                <a:ext cx="746229" cy="499043"/>
+                <a:chOff x="789479" y="2256503"/>
+                <a:chExt cx="746229" cy="499043"/>
+              </a:xfrm>
+            </p:grpSpPr>
+            <p:sp>
+              <p:nvSpPr>
+                <p:cNvPr id="70" name="Rutediagram: Forbindelse 69">
+                  <a:extLst>
+                    <a:ext uri="{FF2B5EF4-FFF2-40B4-BE49-F238E27FC236}">
+                      <a16:creationId xmlns:a16="http://schemas.microsoft.com/office/drawing/2014/main" id="{B3CD7DBF-EFEC-14CF-8908-2A7174A26BD4}"/>
+                    </a:ext>
+                  </a:extLst>
+                </p:cNvPr>
+                <p:cNvSpPr/>
+                <p:nvPr/>
+              </p:nvSpPr>
+              <p:spPr>
+                <a:xfrm>
+                  <a:off x="1108047" y="2256503"/>
+                  <a:ext cx="427661" cy="428273"/>
+                </a:xfrm>
+                <a:prstGeom prst="flowChartConnector">
+                  <a:avLst/>
+                </a:prstGeom>
+                <a:noFill/>
+                <a:ln w="12700">
+                  <a:solidFill>
+                    <a:schemeClr val="tx1"/>
+                  </a:solidFill>
+                </a:ln>
+              </p:spPr>
+              <p:style>
+                <a:lnRef idx="2">
+                  <a:schemeClr val="accent1">
+                    <a:shade val="15000"/>
+                  </a:schemeClr>
+                </a:lnRef>
+                <a:fillRef idx="1">
+                  <a:schemeClr val="accent1"/>
+                </a:fillRef>
+                <a:effectRef idx="0">
+                  <a:schemeClr val="accent1"/>
+                </a:effectRef>
+                <a:fontRef idx="minor">
+                  <a:schemeClr val="lt1"/>
+                </a:fontRef>
+              </p:style>
+              <p:txBody>
+                <a:bodyPr rtlCol="0" anchor="ctr"/>
+                <a:lstStyle/>
+                <a:p>
+                  <a:pPr algn="ctr"/>
+                  <a:endParaRPr lang="da-DK"/>
+                </a:p>
+              </p:txBody>
+            </p:sp>
+            <p:sp>
+              <p:nvSpPr>
+                <p:cNvPr id="71" name="Tekstfelt 70">
+                  <a:extLst>
+                    <a:ext uri="{FF2B5EF4-FFF2-40B4-BE49-F238E27FC236}">
+                      <a16:creationId xmlns:a16="http://schemas.microsoft.com/office/drawing/2014/main" id="{80516D8C-86D1-1C19-331F-AC8616AFBC94}"/>
+                    </a:ext>
+                  </a:extLst>
+                </p:cNvPr>
+                <p:cNvSpPr txBox="1"/>
+                <p:nvPr/>
+              </p:nvSpPr>
+              <p:spPr>
+                <a:xfrm>
+                  <a:off x="789479" y="2293881"/>
+                  <a:ext cx="449824" cy="461665"/>
+                </a:xfrm>
+                <a:prstGeom prst="rect">
+                  <a:avLst/>
+                </a:prstGeom>
+                <a:noFill/>
+              </p:spPr>
+              <p:txBody>
+                <a:bodyPr wrap="square" rtlCol="0">
+                  <a:spAutoFit/>
+                </a:bodyPr>
+                <a:lstStyle/>
+                <a:p>
+                  <a:r>
+                    <a:rPr lang="da-DK" sz="1200" dirty="0" err="1"/>
+                    <a:t>Vs</a:t>
+                  </a:r>
+                  <a:br>
+                    <a:rPr lang="da-DK" sz="1200" dirty="0"/>
+                  </a:br>
+                  <a:endParaRPr lang="da-DK" sz="1200" dirty="0"/>
+                </a:p>
+              </p:txBody>
+            </p:sp>
+          </p:grpSp>
+          <p:cxnSp>
+            <p:nvCxnSpPr>
+              <p:cNvPr id="72" name="Lige forbindelse 71">
+                <a:extLst>
+                  <a:ext uri="{FF2B5EF4-FFF2-40B4-BE49-F238E27FC236}">
+                    <a16:creationId xmlns:a16="http://schemas.microsoft.com/office/drawing/2014/main" id="{F47DCE07-9E9F-9BF2-D7AC-184A4EE0B76F}"/>
+                  </a:ext>
+                </a:extLst>
+              </p:cNvPr>
+              <p:cNvCxnSpPr>
+                <a:cxnSpLocks/>
+              </p:cNvCxnSpPr>
+              <p:nvPr/>
+            </p:nvCxnSpPr>
+            <p:spPr>
+              <a:xfrm flipH="1">
+                <a:off x="7824137" y="3534087"/>
+                <a:ext cx="0" cy="252000"/>
+              </a:xfrm>
+              <a:prstGeom prst="line">
+                <a:avLst/>
+              </a:prstGeom>
+              <a:ln w="12700">
+                <a:solidFill>
+                  <a:schemeClr val="tx1"/>
+                </a:solidFill>
+              </a:ln>
+            </p:spPr>
+            <p:style>
+              <a:lnRef idx="2">
+                <a:schemeClr val="accent1"/>
+              </a:lnRef>
+              <a:fillRef idx="0">
+                <a:schemeClr val="accent1"/>
+              </a:fillRef>
+              <a:effectRef idx="1">
+                <a:schemeClr val="accent1"/>
+              </a:effectRef>
+              <a:fontRef idx="minor">
+                <a:schemeClr val="tx1"/>
+              </a:fontRef>
+            </p:style>
+          </p:cxnSp>
+          <p:sp>
+            <p:nvSpPr>
+              <p:cNvPr id="73" name="Tekstfelt 72">
+                <a:extLst>
+                  <a:ext uri="{FF2B5EF4-FFF2-40B4-BE49-F238E27FC236}">
+                    <a16:creationId xmlns:a16="http://schemas.microsoft.com/office/drawing/2014/main" id="{13FD49CE-3D37-CF0A-E0AE-1636E4DFB48D}"/>
+                  </a:ext>
+                </a:extLst>
+              </p:cNvPr>
+              <p:cNvSpPr txBox="1"/>
+              <p:nvPr/>
+            </p:nvSpPr>
+            <p:spPr>
+              <a:xfrm>
+                <a:off x="7606539" y="2968279"/>
+                <a:ext cx="400302" cy="707886"/>
+              </a:xfrm>
+              <a:prstGeom prst="rect">
+                <a:avLst/>
+              </a:prstGeom>
+              <a:noFill/>
+            </p:spPr>
+            <p:txBody>
+              <a:bodyPr wrap="square" rtlCol="0">
+                <a:spAutoFit/>
+              </a:bodyPr>
+              <a:lstStyle/>
+              <a:p>
+                <a:r>
+                  <a:rPr lang="da-DK" sz="4000" dirty="0"/>
+                  <a:t>~</a:t>
+                </a:r>
+              </a:p>
+            </p:txBody>
+          </p:sp>
+          <p:sp>
+            <p:nvSpPr>
+              <p:cNvPr id="74" name="Tekstfelt 73">
+                <a:extLst>
+                  <a:ext uri="{FF2B5EF4-FFF2-40B4-BE49-F238E27FC236}">
+                    <a16:creationId xmlns:a16="http://schemas.microsoft.com/office/drawing/2014/main" id="{669B926A-0794-1559-C155-03D7FE2B7B26}"/>
+                  </a:ext>
+                </a:extLst>
+              </p:cNvPr>
+              <p:cNvSpPr txBox="1"/>
+              <p:nvPr/>
+            </p:nvSpPr>
+            <p:spPr>
+              <a:xfrm>
+                <a:off x="7589798" y="2849345"/>
+                <a:ext cx="258345" cy="276999"/>
+              </a:xfrm>
+              <a:prstGeom prst="rect">
+                <a:avLst/>
+              </a:prstGeom>
+              <a:noFill/>
+            </p:spPr>
+            <p:txBody>
+              <a:bodyPr wrap="square" rtlCol="0">
+                <a:spAutoFit/>
+              </a:bodyPr>
+              <a:lstStyle/>
+              <a:p>
+                <a:r>
+                  <a:rPr lang="da-DK" sz="1200" dirty="0"/>
+                  <a:t>+</a:t>
+                </a:r>
+              </a:p>
+            </p:txBody>
+          </p:sp>
+          <p:sp>
+            <p:nvSpPr>
+              <p:cNvPr id="75" name="Tekstfelt 74">
+                <a:extLst>
+                  <a:ext uri="{FF2B5EF4-FFF2-40B4-BE49-F238E27FC236}">
+                    <a16:creationId xmlns:a16="http://schemas.microsoft.com/office/drawing/2014/main" id="{15D4394A-E72D-AB85-B1B5-3B716013620A}"/>
+                  </a:ext>
+                </a:extLst>
+              </p:cNvPr>
+              <p:cNvSpPr txBox="1"/>
+              <p:nvPr/>
+            </p:nvSpPr>
+            <p:spPr>
+              <a:xfrm>
+                <a:off x="7617895" y="3499874"/>
+                <a:ext cx="247335" cy="276999"/>
+              </a:xfrm>
+              <a:prstGeom prst="rect">
+                <a:avLst/>
+              </a:prstGeom>
+              <a:noFill/>
+            </p:spPr>
+            <p:txBody>
+              <a:bodyPr wrap="square" rtlCol="0">
+                <a:spAutoFit/>
+              </a:bodyPr>
+              <a:lstStyle/>
+              <a:p>
+                <a:r>
+                  <a:rPr lang="da-DK" sz="1200" dirty="0"/>
+                  <a:t>-</a:t>
+                </a:r>
+              </a:p>
+            </p:txBody>
+          </p:sp>
+        </p:grpSp>
+        <p:cxnSp>
+          <p:nvCxnSpPr>
+            <p:cNvPr id="76" name="Lige forbindelse 75">
+              <a:extLst>
+                <a:ext uri="{FF2B5EF4-FFF2-40B4-BE49-F238E27FC236}">
+                  <a16:creationId xmlns:a16="http://schemas.microsoft.com/office/drawing/2014/main" id="{CBA8E0C6-7E3E-951F-08B9-12DD31BDA0E9}"/>
+                </a:ext>
+              </a:extLst>
+            </p:cNvPr>
+            <p:cNvCxnSpPr>
+              <a:cxnSpLocks/>
+            </p:cNvCxnSpPr>
+            <p:nvPr/>
+          </p:nvCxnSpPr>
+          <p:spPr>
+            <a:xfrm flipH="1">
+              <a:off x="7824131" y="2286299"/>
+              <a:ext cx="0" cy="828000"/>
+            </a:xfrm>
+            <a:prstGeom prst="line">
+              <a:avLst/>
+            </a:prstGeom>
+            <a:ln w="12700">
+              <a:solidFill>
+                <a:schemeClr val="tx1"/>
+              </a:solidFill>
+            </a:ln>
+          </p:spPr>
+          <p:style>
+            <a:lnRef idx="2">
+              <a:schemeClr val="accent1"/>
+            </a:lnRef>
+            <a:fillRef idx="0">
+              <a:schemeClr val="accent1"/>
+            </a:fillRef>
+            <a:effectRef idx="1">
+              <a:schemeClr val="accent1"/>
+            </a:effectRef>
+            <a:fontRef idx="minor">
+              <a:schemeClr val="tx1"/>
+            </a:fontRef>
+          </p:style>
+        </p:cxnSp>
+      </p:grpSp>
+      <p:grpSp>
+        <p:nvGrpSpPr>
+          <p:cNvPr id="125" name="Gruppe 124">
+            <a:extLst>
+              <a:ext uri="{FF2B5EF4-FFF2-40B4-BE49-F238E27FC236}">
+                <a16:creationId xmlns:a16="http://schemas.microsoft.com/office/drawing/2014/main" id="{948947C9-40E8-EA02-003D-81283DFEF426}"/>
+              </a:ext>
+            </a:extLst>
+          </p:cNvPr>
+          <p:cNvGrpSpPr/>
+          <p:nvPr/>
+        </p:nvGrpSpPr>
+        <p:grpSpPr>
+          <a:xfrm>
+            <a:off x="2181542" y="1412630"/>
+            <a:ext cx="1180221" cy="1056368"/>
+            <a:chOff x="9150410" y="2269891"/>
+            <a:chExt cx="1180221" cy="1056368"/>
+          </a:xfrm>
+        </p:grpSpPr>
+        <p:grpSp>
+          <p:nvGrpSpPr>
+            <p:cNvPr id="104" name="Gruppe 103">
+              <a:extLst>
+                <a:ext uri="{FF2B5EF4-FFF2-40B4-BE49-F238E27FC236}">
+                  <a16:creationId xmlns:a16="http://schemas.microsoft.com/office/drawing/2014/main" id="{AD9D6D74-83D3-9B9D-0F25-5B5CB394EFDF}"/>
+                </a:ext>
+              </a:extLst>
+            </p:cNvPr>
+            <p:cNvGrpSpPr/>
+            <p:nvPr/>
+          </p:nvGrpSpPr>
+          <p:grpSpPr>
+            <a:xfrm>
+              <a:off x="9150410" y="2269891"/>
+              <a:ext cx="360000" cy="1056368"/>
+              <a:chOff x="3996808" y="1427106"/>
+              <a:chExt cx="360000" cy="1056368"/>
+            </a:xfrm>
+          </p:grpSpPr>
+          <p:sp>
+            <p:nvSpPr>
+              <p:cNvPr id="105" name="Rektangel 104">
+                <a:extLst>
+                  <a:ext uri="{FF2B5EF4-FFF2-40B4-BE49-F238E27FC236}">
+                    <a16:creationId xmlns:a16="http://schemas.microsoft.com/office/drawing/2014/main" id="{2FAADD7B-FBF1-5467-0409-AAFE89A5F067}"/>
+                  </a:ext>
+                </a:extLst>
+              </p:cNvPr>
+              <p:cNvSpPr/>
+              <p:nvPr/>
+            </p:nvSpPr>
+            <p:spPr>
+              <a:xfrm rot="2700000">
+                <a:off x="3996808" y="1771114"/>
+                <a:ext cx="360000" cy="360000"/>
+              </a:xfrm>
+              <a:prstGeom prst="rect">
+                <a:avLst/>
+              </a:prstGeom>
+              <a:noFill/>
+              <a:ln w="12700">
+                <a:solidFill>
+                  <a:schemeClr val="tx1"/>
+                </a:solidFill>
+              </a:ln>
+            </p:spPr>
+            <p:style>
+              <a:lnRef idx="2">
+                <a:schemeClr val="accent1">
+                  <a:shade val="15000"/>
+                </a:schemeClr>
+              </a:lnRef>
+              <a:fillRef idx="1">
+                <a:schemeClr val="accent1"/>
+              </a:fillRef>
+              <a:effectRef idx="0">
+                <a:schemeClr val="accent1"/>
+              </a:effectRef>
+              <a:fontRef idx="minor">
+                <a:schemeClr val="lt1"/>
+              </a:fontRef>
+            </p:style>
+            <p:txBody>
+              <a:bodyPr rtlCol="0" anchor="ctr"/>
+              <a:lstStyle/>
+              <a:p>
+                <a:pPr algn="ctr"/>
+                <a:endParaRPr lang="da-DK"/>
+              </a:p>
+            </p:txBody>
+          </p:sp>
+          <p:cxnSp>
+            <p:nvCxnSpPr>
+              <p:cNvPr id="106" name="Lige pilforbindelse 105">
+                <a:extLst>
+                  <a:ext uri="{FF2B5EF4-FFF2-40B4-BE49-F238E27FC236}">
+                    <a16:creationId xmlns:a16="http://schemas.microsoft.com/office/drawing/2014/main" id="{624FF437-78C3-0EBC-543F-6EAC4EEB0384}"/>
+                  </a:ext>
+                </a:extLst>
+              </p:cNvPr>
+              <p:cNvCxnSpPr/>
+              <p:nvPr/>
+            </p:nvCxnSpPr>
+            <p:spPr>
+              <a:xfrm>
+                <a:off x="4176808" y="1784412"/>
+                <a:ext cx="0" cy="326344"/>
+              </a:xfrm>
+              <a:prstGeom prst="straightConnector1">
+                <a:avLst/>
+              </a:prstGeom>
+              <a:ln w="12700">
+                <a:solidFill>
+                  <a:schemeClr val="tx1"/>
+                </a:solidFill>
+                <a:tailEnd type="triangle"/>
+              </a:ln>
+            </p:spPr>
+            <p:style>
+              <a:lnRef idx="2">
+                <a:schemeClr val="accent1"/>
+              </a:lnRef>
+              <a:fillRef idx="0">
+                <a:schemeClr val="accent1"/>
+              </a:fillRef>
+              <a:effectRef idx="1">
+                <a:schemeClr val="accent1"/>
+              </a:effectRef>
+              <a:fontRef idx="minor">
+                <a:schemeClr val="tx1"/>
+              </a:fontRef>
+            </p:style>
+          </p:cxnSp>
+          <p:cxnSp>
+            <p:nvCxnSpPr>
+              <p:cNvPr id="107" name="Lige forbindelse 106">
+                <a:extLst>
+                  <a:ext uri="{FF2B5EF4-FFF2-40B4-BE49-F238E27FC236}">
+                    <a16:creationId xmlns:a16="http://schemas.microsoft.com/office/drawing/2014/main" id="{4A63D272-E7C4-6A2D-CB56-215AEDFD8E80}"/>
+                  </a:ext>
+                </a:extLst>
+              </p:cNvPr>
+              <p:cNvCxnSpPr>
+                <a:cxnSpLocks/>
+              </p:cNvCxnSpPr>
+              <p:nvPr/>
+            </p:nvCxnSpPr>
+            <p:spPr>
+              <a:xfrm>
+                <a:off x="4176806" y="1427106"/>
+                <a:ext cx="2" cy="272186"/>
+              </a:xfrm>
+              <a:prstGeom prst="line">
+                <a:avLst/>
+              </a:prstGeom>
+              <a:ln w="12700">
+                <a:solidFill>
+                  <a:schemeClr val="tx1"/>
+                </a:solidFill>
+              </a:ln>
+            </p:spPr>
+            <p:style>
+              <a:lnRef idx="2">
+                <a:schemeClr val="accent1"/>
+              </a:lnRef>
+              <a:fillRef idx="0">
+                <a:schemeClr val="accent1"/>
+              </a:fillRef>
+              <a:effectRef idx="1">
+                <a:schemeClr val="accent1"/>
+              </a:effectRef>
+              <a:fontRef idx="minor">
+                <a:schemeClr val="tx1"/>
+              </a:fontRef>
+            </p:style>
+          </p:cxnSp>
+          <p:cxnSp>
+            <p:nvCxnSpPr>
+              <p:cNvPr id="108" name="Lige forbindelse 107">
+                <a:extLst>
+                  <a:ext uri="{FF2B5EF4-FFF2-40B4-BE49-F238E27FC236}">
+                    <a16:creationId xmlns:a16="http://schemas.microsoft.com/office/drawing/2014/main" id="{24B5E3CD-AA65-69E7-9910-587ADE728DE9}"/>
+                  </a:ext>
+                </a:extLst>
+              </p:cNvPr>
+              <p:cNvCxnSpPr>
+                <a:cxnSpLocks/>
+              </p:cNvCxnSpPr>
+              <p:nvPr/>
+            </p:nvCxnSpPr>
+            <p:spPr>
+              <a:xfrm>
+                <a:off x="4176807" y="2205673"/>
+                <a:ext cx="0" cy="277801"/>
+              </a:xfrm>
+              <a:prstGeom prst="line">
+                <a:avLst/>
+              </a:prstGeom>
+              <a:ln w="12700">
+                <a:solidFill>
+                  <a:schemeClr val="tx1"/>
+                </a:solidFill>
+              </a:ln>
+            </p:spPr>
+            <p:style>
+              <a:lnRef idx="2">
+                <a:schemeClr val="accent1"/>
+              </a:lnRef>
+              <a:fillRef idx="0">
+                <a:schemeClr val="accent1"/>
+              </a:fillRef>
+              <a:effectRef idx="1">
+                <a:schemeClr val="accent1"/>
+              </a:effectRef>
+              <a:fontRef idx="minor">
+                <a:schemeClr val="tx1"/>
+              </a:fontRef>
+            </p:style>
+          </p:cxnSp>
+        </p:grpSp>
+        <p:sp>
+          <p:nvSpPr>
+            <p:cNvPr id="109" name="Tekstfelt 108">
+              <a:extLst>
+                <a:ext uri="{FF2B5EF4-FFF2-40B4-BE49-F238E27FC236}">
+                  <a16:creationId xmlns:a16="http://schemas.microsoft.com/office/drawing/2014/main" id="{3CEF8C42-0D44-68FD-19F1-21BD802CF845}"/>
+                </a:ext>
+              </a:extLst>
+            </p:cNvPr>
+            <p:cNvSpPr txBox="1"/>
+            <p:nvPr/>
+          </p:nvSpPr>
+          <p:spPr>
+            <a:xfrm>
+              <a:off x="9528228" y="2634697"/>
+              <a:ext cx="802403" cy="276999"/>
+            </a:xfrm>
+            <a:prstGeom prst="rect">
+              <a:avLst/>
+            </a:prstGeom>
+            <a:noFill/>
+          </p:spPr>
+          <p:txBody>
+            <a:bodyPr wrap="square" rtlCol="0">
+              <a:spAutoFit/>
+            </a:bodyPr>
+            <a:lstStyle/>
+            <a:p>
+              <a:r>
+                <a:rPr lang="da-DK" sz="1200" dirty="0"/>
+                <a:t>gm*VGS</a:t>
+              </a:r>
+            </a:p>
+          </p:txBody>
+        </p:sp>
+      </p:grpSp>
+      <p:grpSp>
+        <p:nvGrpSpPr>
+          <p:cNvPr id="114" name="Gruppe 113">
+            <a:extLst>
+              <a:ext uri="{FF2B5EF4-FFF2-40B4-BE49-F238E27FC236}">
+                <a16:creationId xmlns:a16="http://schemas.microsoft.com/office/drawing/2014/main" id="{E12AB721-753F-C091-1E12-91BA1B5B78E3}"/>
+              </a:ext>
+            </a:extLst>
+          </p:cNvPr>
+          <p:cNvGrpSpPr/>
+          <p:nvPr/>
+        </p:nvGrpSpPr>
+        <p:grpSpPr>
+          <a:xfrm>
+            <a:off x="3282635" y="2232722"/>
+            <a:ext cx="861594" cy="865567"/>
+            <a:chOff x="3519983" y="5207549"/>
+            <a:chExt cx="861594" cy="865567"/>
+          </a:xfrm>
+        </p:grpSpPr>
+        <p:cxnSp>
+          <p:nvCxnSpPr>
+            <p:cNvPr id="115" name="Lige forbindelse 114">
+              <a:extLst>
+                <a:ext uri="{FF2B5EF4-FFF2-40B4-BE49-F238E27FC236}">
+                  <a16:creationId xmlns:a16="http://schemas.microsoft.com/office/drawing/2014/main" id="{5DEF46EE-6CAA-4218-A3D5-189A5621150B}"/>
+                </a:ext>
+              </a:extLst>
+            </p:cNvPr>
+            <p:cNvCxnSpPr/>
+            <p:nvPr/>
+          </p:nvCxnSpPr>
+          <p:spPr>
+            <a:xfrm>
+              <a:off x="4136875" y="5384166"/>
+              <a:ext cx="0" cy="540000"/>
+            </a:xfrm>
+            <a:prstGeom prst="line">
+              <a:avLst/>
+            </a:prstGeom>
+            <a:ln w="28575"/>
+          </p:spPr>
+          <p:style>
+            <a:lnRef idx="2">
+              <a:schemeClr val="dk1"/>
+            </a:lnRef>
+            <a:fillRef idx="0">
+              <a:schemeClr val="dk1"/>
+            </a:fillRef>
+            <a:effectRef idx="1">
+              <a:schemeClr val="dk1"/>
+            </a:effectRef>
+            <a:fontRef idx="minor">
+              <a:schemeClr val="tx1"/>
+            </a:fontRef>
+          </p:style>
+        </p:cxnSp>
+        <p:cxnSp>
+          <p:nvCxnSpPr>
+            <p:cNvPr id="116" name="Lige forbindelse 115">
+              <a:extLst>
+                <a:ext uri="{FF2B5EF4-FFF2-40B4-BE49-F238E27FC236}">
+                  <a16:creationId xmlns:a16="http://schemas.microsoft.com/office/drawing/2014/main" id="{50C5EA98-8B87-DEC1-4750-34B0C5887D2E}"/>
+                </a:ext>
+              </a:extLst>
+            </p:cNvPr>
+            <p:cNvCxnSpPr/>
+            <p:nvPr/>
+          </p:nvCxnSpPr>
+          <p:spPr>
+            <a:xfrm>
+              <a:off x="3519983" y="5652595"/>
+              <a:ext cx="540000" cy="0"/>
+            </a:xfrm>
+            <a:prstGeom prst="line">
+              <a:avLst/>
+            </a:prstGeom>
+            <a:ln w="12700">
+              <a:solidFill>
+                <a:schemeClr val="tx1"/>
+              </a:solidFill>
+            </a:ln>
+          </p:spPr>
+          <p:style>
+            <a:lnRef idx="2">
+              <a:schemeClr val="accent1"/>
+            </a:lnRef>
+            <a:fillRef idx="0">
+              <a:schemeClr val="accent1"/>
+            </a:fillRef>
+            <a:effectRef idx="1">
+              <a:schemeClr val="accent1"/>
+            </a:effectRef>
+            <a:fontRef idx="minor">
+              <a:schemeClr val="tx1"/>
+            </a:fontRef>
+          </p:style>
+        </p:cxnSp>
+        <p:cxnSp>
+          <p:nvCxnSpPr>
+            <p:cNvPr id="117" name="Lige forbindelse 116">
+              <a:extLst>
+                <a:ext uri="{FF2B5EF4-FFF2-40B4-BE49-F238E27FC236}">
+                  <a16:creationId xmlns:a16="http://schemas.microsoft.com/office/drawing/2014/main" id="{1C926D1B-BE4B-ED92-6FC4-B06BEBA5E6CF}"/>
+                </a:ext>
+              </a:extLst>
+            </p:cNvPr>
+            <p:cNvCxnSpPr>
+              <a:cxnSpLocks/>
+            </p:cNvCxnSpPr>
+            <p:nvPr/>
+          </p:nvCxnSpPr>
+          <p:spPr>
+            <a:xfrm>
+              <a:off x="4129577" y="5458962"/>
+              <a:ext cx="252000" cy="0"/>
+            </a:xfrm>
+            <a:prstGeom prst="line">
+              <a:avLst/>
+            </a:prstGeom>
+            <a:ln w="12700">
+              <a:solidFill>
+                <a:schemeClr val="tx1"/>
+              </a:solidFill>
+            </a:ln>
+          </p:spPr>
+          <p:style>
+            <a:lnRef idx="2">
+              <a:schemeClr val="accent1"/>
+            </a:lnRef>
+            <a:fillRef idx="0">
+              <a:schemeClr val="accent1"/>
+            </a:fillRef>
+            <a:effectRef idx="1">
+              <a:schemeClr val="accent1"/>
+            </a:effectRef>
+            <a:fontRef idx="minor">
+              <a:schemeClr val="tx1"/>
+            </a:fontRef>
+          </p:style>
+        </p:cxnSp>
+        <p:cxnSp>
+          <p:nvCxnSpPr>
+            <p:cNvPr id="118" name="Lige forbindelse 117">
+              <a:extLst>
+                <a:ext uri="{FF2B5EF4-FFF2-40B4-BE49-F238E27FC236}">
+                  <a16:creationId xmlns:a16="http://schemas.microsoft.com/office/drawing/2014/main" id="{020CBB6C-5E21-610C-7C0F-7AF31DEFAC49}"/>
+                </a:ext>
+              </a:extLst>
+            </p:cNvPr>
+            <p:cNvCxnSpPr>
+              <a:cxnSpLocks/>
+            </p:cNvCxnSpPr>
+            <p:nvPr/>
+          </p:nvCxnSpPr>
+          <p:spPr>
+            <a:xfrm rot="5400000">
+              <a:off x="4253402" y="5333549"/>
+              <a:ext cx="252000" cy="0"/>
+            </a:xfrm>
+            <a:prstGeom prst="line">
+              <a:avLst/>
+            </a:prstGeom>
+            <a:ln w="12700">
+              <a:solidFill>
+                <a:schemeClr val="tx1"/>
+              </a:solidFill>
+            </a:ln>
+          </p:spPr>
+          <p:style>
+            <a:lnRef idx="2">
+              <a:schemeClr val="accent1"/>
+            </a:lnRef>
+            <a:fillRef idx="0">
+              <a:schemeClr val="accent1"/>
+            </a:fillRef>
+            <a:effectRef idx="1">
+              <a:schemeClr val="accent1"/>
+            </a:effectRef>
+            <a:fontRef idx="minor">
+              <a:schemeClr val="tx1"/>
+            </a:fontRef>
+          </p:style>
+        </p:cxnSp>
+        <p:cxnSp>
+          <p:nvCxnSpPr>
+            <p:cNvPr id="119" name="Lige pilforbindelse 118">
+              <a:extLst>
+                <a:ext uri="{FF2B5EF4-FFF2-40B4-BE49-F238E27FC236}">
+                  <a16:creationId xmlns:a16="http://schemas.microsoft.com/office/drawing/2014/main" id="{6B1C9F98-2772-3450-CAF6-E6256DE6412A}"/>
+                </a:ext>
+              </a:extLst>
+            </p:cNvPr>
+            <p:cNvCxnSpPr>
+              <a:cxnSpLocks/>
+            </p:cNvCxnSpPr>
+            <p:nvPr/>
+          </p:nvCxnSpPr>
+          <p:spPr>
+            <a:xfrm>
+              <a:off x="4122462" y="5825664"/>
+              <a:ext cx="252000" cy="0"/>
+            </a:xfrm>
+            <a:prstGeom prst="straightConnector1">
+              <a:avLst/>
+            </a:prstGeom>
+            <a:ln w="12700">
+              <a:solidFill>
+                <a:schemeClr val="tx1"/>
+              </a:solidFill>
+              <a:tailEnd type="triangle"/>
+            </a:ln>
+          </p:spPr>
+          <p:style>
+            <a:lnRef idx="2">
+              <a:schemeClr val="accent1"/>
+            </a:lnRef>
+            <a:fillRef idx="0">
+              <a:schemeClr val="accent1"/>
+            </a:fillRef>
+            <a:effectRef idx="1">
+              <a:schemeClr val="accent1"/>
+            </a:effectRef>
+            <a:fontRef idx="minor">
+              <a:schemeClr val="tx1"/>
+            </a:fontRef>
+          </p:style>
+        </p:cxnSp>
+        <p:cxnSp>
+          <p:nvCxnSpPr>
+            <p:cNvPr id="120" name="Lige forbindelse 119">
+              <a:extLst>
+                <a:ext uri="{FF2B5EF4-FFF2-40B4-BE49-F238E27FC236}">
+                  <a16:creationId xmlns:a16="http://schemas.microsoft.com/office/drawing/2014/main" id="{A132C415-CC5D-0A41-E593-6DDA80B5CCA6}"/>
+                </a:ext>
+              </a:extLst>
+            </p:cNvPr>
+            <p:cNvCxnSpPr>
+              <a:cxnSpLocks/>
+            </p:cNvCxnSpPr>
+            <p:nvPr/>
+          </p:nvCxnSpPr>
+          <p:spPr>
+            <a:xfrm rot="5400000">
+              <a:off x="4229586" y="5947116"/>
+              <a:ext cx="252000" cy="0"/>
+            </a:xfrm>
+            <a:prstGeom prst="line">
+              <a:avLst/>
+            </a:prstGeom>
+            <a:ln w="12700">
+              <a:solidFill>
+                <a:schemeClr val="tx1"/>
+              </a:solidFill>
+            </a:ln>
+          </p:spPr>
+          <p:style>
+            <a:lnRef idx="2">
+              <a:schemeClr val="accent1"/>
+            </a:lnRef>
+            <a:fillRef idx="0">
+              <a:schemeClr val="accent1"/>
+            </a:fillRef>
+            <a:effectRef idx="1">
+              <a:schemeClr val="accent1"/>
+            </a:effectRef>
+            <a:fontRef idx="minor">
+              <a:schemeClr val="tx1"/>
+            </a:fontRef>
+          </p:style>
+        </p:cxnSp>
+        <p:cxnSp>
+          <p:nvCxnSpPr>
+            <p:cNvPr id="121" name="Lige forbindelse 120">
+              <a:extLst>
+                <a:ext uri="{FF2B5EF4-FFF2-40B4-BE49-F238E27FC236}">
+                  <a16:creationId xmlns:a16="http://schemas.microsoft.com/office/drawing/2014/main" id="{B8E0266E-D9BF-4C8F-C14D-31FFBE12D3D6}"/>
+                </a:ext>
+              </a:extLst>
+            </p:cNvPr>
+            <p:cNvCxnSpPr/>
+            <p:nvPr/>
+          </p:nvCxnSpPr>
+          <p:spPr>
+            <a:xfrm>
+              <a:off x="4071996" y="5473193"/>
+              <a:ext cx="0" cy="360000"/>
+            </a:xfrm>
+            <a:prstGeom prst="line">
+              <a:avLst/>
+            </a:prstGeom>
+            <a:ln w="28575"/>
+          </p:spPr>
+          <p:style>
+            <a:lnRef idx="2">
+              <a:schemeClr val="dk1"/>
+            </a:lnRef>
+            <a:fillRef idx="0">
+              <a:schemeClr val="dk1"/>
+            </a:fillRef>
+            <a:effectRef idx="1">
+              <a:schemeClr val="dk1"/>
+            </a:effectRef>
+            <a:fontRef idx="minor">
+              <a:schemeClr val="tx1"/>
+            </a:fontRef>
+          </p:style>
+        </p:cxnSp>
+      </p:grpSp>
+    </p:spTree>
+    <p:extLst>
+      <p:ext uri="{BB962C8B-B14F-4D97-AF65-F5344CB8AC3E}">
+        <p14:creationId xmlns:p14="http://schemas.microsoft.com/office/powerpoint/2010/main" val="1362554338"/>
+      </p:ext>
+    </p:extLst>
+  </p:cSld>
+  <p:clrMapOvr>
+    <a:masterClrMapping/>
+  </p:clrMapOvr>
+</p:sld>
+</file>
+
+<file path=ppt/slides/slide2.xml><?xml version="1.0" encoding="utf-8"?>
 <p:sld xmlns:a="http://schemas.openxmlformats.org/drawingml/2006/main" xmlns:r="http://schemas.openxmlformats.org/officeDocument/2006/relationships" xmlns:p="http://schemas.openxmlformats.org/presentationml/2006/main">
   <p:cSld>
     <p:spTree>
